--- a/web_project1.pptx
+++ b/web_project1.pptx
@@ -2,7 +2,7 @@
 <file path=ppt/presentation.xml><?xml version="1.0" encoding="utf-8"?>
 <p:presentation xmlns:a="http://schemas.openxmlformats.org/drawingml/2006/main" xmlns:r="http://schemas.openxmlformats.org/officeDocument/2006/relationships" xmlns:p="http://schemas.openxmlformats.org/presentationml/2006/main" autoCompressPictures="0">
   <p:sldMasterIdLst>
-    <p:sldMasterId id="2147483648" r:id="rId1"/>
+    <p:sldMasterId id="2147483669" r:id="rId1"/>
   </p:sldMasterIdLst>
   <p:sldIdLst>
     <p:sldId id="260" r:id="rId2"/>
@@ -111,6 +111,11 @@
       </a:defRPr>
     </a:lvl9pPr>
   </p:defaultTextStyle>
+  <p:extLst>
+    <p:ext uri="{EFAFB233-063F-42B5-8137-9DF3F51BA10A}">
+      <p15:sldGuideLst xmlns:p15="http://schemas.microsoft.com/office/powerpoint/2012/main"/>
+    </p:ext>
+  </p:extLst>
 </p:presentation>
 </file>
 
@@ -142,6 +147,13 @@
         <p:blipFill>
           <a:blip r:embed="rId2">
             <a:alphaModFix amt="30000"/>
+            <a:duotone>
+              <a:prstClr val="black"/>
+              <a:schemeClr val="tx2">
+                <a:tint val="45000"/>
+                <a:satMod val="400000"/>
+              </a:schemeClr>
+            </a:duotone>
             <a:extLst>
               <a:ext uri="{28A0092B-C50C-407E-A947-70E740481C1C}">
                 <a14:useLocalDpi xmlns:a14="http://schemas.microsoft.com/office/drawing/2010/main" val="0"/>
@@ -192,9 +204,8 @@
                 <a:schemeClr val="tx2"/>
               </a:gs>
               <a:gs pos="100000">
-                <a:schemeClr val="bg2">
-                  <a:lumMod val="60000"/>
-                  <a:lumOff val="40000"/>
+                <a:schemeClr val="tx2">
+                  <a:lumMod val="50000"/>
                 </a:schemeClr>
               </a:gs>
             </a:gsLst>
@@ -4389,8 +4400,8 @@
           <a:lstStyle/>
           <a:p>
             <a:fld id="{48A87A34-81AB-432B-8DAE-1953F412C126}" type="datetimeFigureOut">
-              <a:rPr lang="en-US" dirty="0"/>
-              <a:t>2/18/20</a:t>
+              <a:rPr lang="en-US" smtClean="0"/>
+              <a:t>2/19/20</a:t>
             </a:fld>
             <a:endParaRPr lang="en-US" dirty="0"/>
           </a:p>
@@ -4441,7 +4452,7 @@
           <a:lstStyle/>
           <a:p>
             <a:fld id="{6D22F896-40B5-4ADD-8801-0D06FADFA095}" type="slidenum">
-              <a:rPr lang="en-US" dirty="0"/>
+              <a:rPr lang="en-US" smtClean="0"/>
               <a:t>‹#›</a:t>
             </a:fld>
             <a:endParaRPr lang="en-US" dirty="0"/>
@@ -4449,6 +4460,11 @@
         </p:txBody>
       </p:sp>
     </p:spTree>
+    <p:extLst>
+      <p:ext uri="{BB962C8B-B14F-4D97-AF65-F5344CB8AC3E}">
+        <p14:creationId xmlns:p14="http://schemas.microsoft.com/office/powerpoint/2010/main" val="3558859996"/>
+      </p:ext>
+    </p:extLst>
   </p:cSld>
   <p:clrMapOvr>
     <a:masterClrMapping/>
@@ -4651,8 +4667,8 @@
           <a:lstStyle/>
           <a:p>
             <a:fld id="{48A87A34-81AB-432B-8DAE-1953F412C126}" type="datetimeFigureOut">
-              <a:rPr lang="en-US" dirty="0"/>
-              <a:t>2/18/20</a:t>
+              <a:rPr lang="en-US" smtClean="0"/>
+              <a:t>2/19/20</a:t>
             </a:fld>
             <a:endParaRPr lang="en-US" dirty="0"/>
           </a:p>
@@ -4693,7 +4709,7 @@
           <a:lstStyle/>
           <a:p>
             <a:fld id="{6D22F896-40B5-4ADD-8801-0D06FADFA095}" type="slidenum">
-              <a:rPr lang="en-US" dirty="0"/>
+              <a:rPr lang="en-US" smtClean="0"/>
               <a:t>‹#›</a:t>
             </a:fld>
             <a:endParaRPr lang="en-US" dirty="0"/>
@@ -4701,6 +4717,11 @@
         </p:txBody>
       </p:sp>
     </p:spTree>
+    <p:extLst>
+      <p:ext uri="{BB962C8B-B14F-4D97-AF65-F5344CB8AC3E}">
+        <p14:creationId xmlns:p14="http://schemas.microsoft.com/office/powerpoint/2010/main" val="4127746702"/>
+      </p:ext>
+    </p:extLst>
   </p:cSld>
   <p:clrMapOvr>
     <a:masterClrMapping/>
@@ -4842,8 +4863,8 @@
           <a:lstStyle/>
           <a:p>
             <a:fld id="{48A87A34-81AB-432B-8DAE-1953F412C126}" type="datetimeFigureOut">
-              <a:rPr lang="en-US" dirty="0"/>
-              <a:t>2/18/20</a:t>
+              <a:rPr lang="en-US" smtClean="0"/>
+              <a:t>2/19/20</a:t>
             </a:fld>
             <a:endParaRPr lang="en-US" dirty="0"/>
           </a:p>
@@ -4884,7 +4905,7 @@
           <a:lstStyle/>
           <a:p>
             <a:fld id="{6D22F896-40B5-4ADD-8801-0D06FADFA095}" type="slidenum">
-              <a:rPr lang="en-US" dirty="0"/>
+              <a:rPr lang="en-US" smtClean="0"/>
               <a:t>‹#›</a:t>
             </a:fld>
             <a:endParaRPr lang="en-US" dirty="0"/>
@@ -4892,6 +4913,11 @@
         </p:txBody>
       </p:sp>
     </p:spTree>
+    <p:extLst>
+      <p:ext uri="{BB962C8B-B14F-4D97-AF65-F5344CB8AC3E}">
+        <p14:creationId xmlns:p14="http://schemas.microsoft.com/office/powerpoint/2010/main" val="3757765287"/>
+      </p:ext>
+    </p:extLst>
   </p:cSld>
   <p:clrMapOvr>
     <a:masterClrMapping/>
@@ -5100,8 +5126,8 @@
           <a:lstStyle/>
           <a:p>
             <a:fld id="{48A87A34-81AB-432B-8DAE-1953F412C126}" type="datetimeFigureOut">
-              <a:rPr lang="en-US" dirty="0"/>
-              <a:t>2/18/20</a:t>
+              <a:rPr lang="en-US" smtClean="0"/>
+              <a:t>2/19/20</a:t>
             </a:fld>
             <a:endParaRPr lang="en-US" dirty="0"/>
           </a:p>
@@ -5142,7 +5168,7 @@
           <a:lstStyle/>
           <a:p>
             <a:fld id="{6D22F896-40B5-4ADD-8801-0D06FADFA095}" type="slidenum">
-              <a:rPr lang="en-US" dirty="0"/>
+              <a:rPr lang="en-US" smtClean="0"/>
               <a:t>‹#›</a:t>
             </a:fld>
             <a:endParaRPr lang="en-US" dirty="0"/>
@@ -5388,6 +5414,11 @@
         </p:txBody>
       </p:sp>
     </p:spTree>
+    <p:extLst>
+      <p:ext uri="{BB962C8B-B14F-4D97-AF65-F5344CB8AC3E}">
+        <p14:creationId xmlns:p14="http://schemas.microsoft.com/office/powerpoint/2010/main" val="531681238"/>
+      </p:ext>
+    </p:extLst>
   </p:cSld>
   <p:clrMapOvr>
     <a:masterClrMapping/>
@@ -5529,8 +5560,8 @@
           <a:lstStyle/>
           <a:p>
             <a:fld id="{48A87A34-81AB-432B-8DAE-1953F412C126}" type="datetimeFigureOut">
-              <a:rPr lang="en-US" dirty="0"/>
-              <a:t>2/18/20</a:t>
+              <a:rPr lang="en-US" smtClean="0"/>
+              <a:t>2/19/20</a:t>
             </a:fld>
             <a:endParaRPr lang="en-US" dirty="0"/>
           </a:p>
@@ -5571,7 +5602,7 @@
           <a:lstStyle/>
           <a:p>
             <a:fld id="{6D22F896-40B5-4ADD-8801-0D06FADFA095}" type="slidenum">
-              <a:rPr lang="en-US" dirty="0"/>
+              <a:rPr lang="en-US" smtClean="0"/>
               <a:t>‹#›</a:t>
             </a:fld>
             <a:endParaRPr lang="en-US" dirty="0"/>
@@ -5579,6 +5610,11 @@
         </p:txBody>
       </p:sp>
     </p:spTree>
+    <p:extLst>
+      <p:ext uri="{BB962C8B-B14F-4D97-AF65-F5344CB8AC3E}">
+        <p14:creationId xmlns:p14="http://schemas.microsoft.com/office/powerpoint/2010/main" val="2922469237"/>
+      </p:ext>
+    </p:extLst>
   </p:cSld>
   <p:clrMapOvr>
     <a:masterClrMapping/>
@@ -6070,8 +6106,8 @@
           <a:lstStyle/>
           <a:p>
             <a:fld id="{48A87A34-81AB-432B-8DAE-1953F412C126}" type="datetimeFigureOut">
-              <a:rPr lang="en-US" dirty="0"/>
-              <a:t>2/18/20</a:t>
+              <a:rPr lang="en-US" smtClean="0"/>
+              <a:t>2/19/20</a:t>
             </a:fld>
             <a:endParaRPr lang="en-US" dirty="0"/>
           </a:p>
@@ -6112,7 +6148,7 @@
           <a:lstStyle/>
           <a:p>
             <a:fld id="{6D22F896-40B5-4ADD-8801-0D06FADFA095}" type="slidenum">
-              <a:rPr lang="en-US" dirty="0"/>
+              <a:rPr lang="en-US" smtClean="0"/>
               <a:t>‹#›</a:t>
             </a:fld>
             <a:endParaRPr lang="en-US" dirty="0"/>
@@ -6120,6 +6156,11 @@
         </p:txBody>
       </p:sp>
     </p:spTree>
+    <p:extLst>
+      <p:ext uri="{BB962C8B-B14F-4D97-AF65-F5344CB8AC3E}">
+        <p14:creationId xmlns:p14="http://schemas.microsoft.com/office/powerpoint/2010/main" val="864626149"/>
+      </p:ext>
+    </p:extLst>
   </p:cSld>
   <p:clrMapOvr>
     <a:masterClrMapping/>
@@ -6785,8 +6826,8 @@
           <a:lstStyle/>
           <a:p>
             <a:fld id="{48A87A34-81AB-432B-8DAE-1953F412C126}" type="datetimeFigureOut">
-              <a:rPr lang="en-US" dirty="0"/>
-              <a:t>2/18/20</a:t>
+              <a:rPr lang="en-US" smtClean="0"/>
+              <a:t>2/19/20</a:t>
             </a:fld>
             <a:endParaRPr lang="en-US" dirty="0"/>
           </a:p>
@@ -6827,7 +6868,7 @@
           <a:lstStyle/>
           <a:p>
             <a:fld id="{6D22F896-40B5-4ADD-8801-0D06FADFA095}" type="slidenum">
-              <a:rPr lang="en-US" dirty="0"/>
+              <a:rPr lang="en-US" smtClean="0"/>
               <a:t>‹#›</a:t>
             </a:fld>
             <a:endParaRPr lang="en-US" dirty="0"/>
@@ -6835,6 +6876,11 @@
         </p:txBody>
       </p:sp>
     </p:spTree>
+    <p:extLst>
+      <p:ext uri="{BB962C8B-B14F-4D97-AF65-F5344CB8AC3E}">
+        <p14:creationId xmlns:p14="http://schemas.microsoft.com/office/powerpoint/2010/main" val="2082632456"/>
+      </p:ext>
+    </p:extLst>
   </p:cSld>
   <p:clrMapOvr>
     <a:masterClrMapping/>
@@ -6950,8 +6996,8 @@
           <a:lstStyle/>
           <a:p>
             <a:fld id="{48A87A34-81AB-432B-8DAE-1953F412C126}" type="datetimeFigureOut">
-              <a:rPr lang="en-US" dirty="0"/>
-              <a:t>2/18/20</a:t>
+              <a:rPr lang="en-US" smtClean="0"/>
+              <a:t>2/19/20</a:t>
             </a:fld>
             <a:endParaRPr lang="en-US" dirty="0"/>
           </a:p>
@@ -6992,7 +7038,7 @@
           <a:lstStyle/>
           <a:p>
             <a:fld id="{6D22F896-40B5-4ADD-8801-0D06FADFA095}" type="slidenum">
-              <a:rPr lang="en-US" dirty="0"/>
+              <a:rPr lang="en-US" smtClean="0"/>
               <a:t>‹#›</a:t>
             </a:fld>
             <a:endParaRPr lang="en-US" dirty="0"/>
@@ -7000,6 +7046,11 @@
         </p:txBody>
       </p:sp>
     </p:spTree>
+    <p:extLst>
+      <p:ext uri="{BB962C8B-B14F-4D97-AF65-F5344CB8AC3E}">
+        <p14:creationId xmlns:p14="http://schemas.microsoft.com/office/powerpoint/2010/main" val="3523947709"/>
+      </p:ext>
+    </p:extLst>
   </p:cSld>
   <p:clrMapOvr>
     <a:masterClrMapping/>
@@ -7125,8 +7176,8 @@
           <a:lstStyle/>
           <a:p>
             <a:fld id="{48A87A34-81AB-432B-8DAE-1953F412C126}" type="datetimeFigureOut">
-              <a:rPr lang="en-US" dirty="0"/>
-              <a:t>2/18/20</a:t>
+              <a:rPr lang="en-US" smtClean="0"/>
+              <a:t>2/19/20</a:t>
             </a:fld>
             <a:endParaRPr lang="en-US" dirty="0"/>
           </a:p>
@@ -7167,7 +7218,7 @@
           <a:lstStyle/>
           <a:p>
             <a:fld id="{6D22F896-40B5-4ADD-8801-0D06FADFA095}" type="slidenum">
-              <a:rPr lang="en-US" dirty="0"/>
+              <a:rPr lang="en-US" smtClean="0"/>
               <a:t>‹#›</a:t>
             </a:fld>
             <a:endParaRPr lang="en-US" dirty="0"/>
@@ -7175,6 +7226,11 @@
         </p:txBody>
       </p:sp>
     </p:spTree>
+    <p:extLst>
+      <p:ext uri="{BB962C8B-B14F-4D97-AF65-F5344CB8AC3E}">
+        <p14:creationId xmlns:p14="http://schemas.microsoft.com/office/powerpoint/2010/main" val="3714071458"/>
+      </p:ext>
+    </p:extLst>
   </p:cSld>
   <p:clrMapOvr>
     <a:masterClrMapping/>
@@ -7290,8 +7346,8 @@
           <a:lstStyle/>
           <a:p>
             <a:fld id="{48A87A34-81AB-432B-8DAE-1953F412C126}" type="datetimeFigureOut">
-              <a:rPr lang="en-US" dirty="0"/>
-              <a:t>2/18/20</a:t>
+              <a:rPr lang="en-US" smtClean="0"/>
+              <a:t>2/19/20</a:t>
             </a:fld>
             <a:endParaRPr lang="en-US" dirty="0"/>
           </a:p>
@@ -7332,7 +7388,7 @@
           <a:lstStyle/>
           <a:p>
             <a:fld id="{6D22F896-40B5-4ADD-8801-0D06FADFA095}" type="slidenum">
-              <a:rPr lang="en-US" dirty="0"/>
+              <a:rPr lang="en-US" smtClean="0"/>
               <a:t>‹#›</a:t>
             </a:fld>
             <a:endParaRPr lang="en-US" dirty="0"/>
@@ -7340,6 +7396,11 @@
         </p:txBody>
       </p:sp>
     </p:spTree>
+    <p:extLst>
+      <p:ext uri="{BB962C8B-B14F-4D97-AF65-F5344CB8AC3E}">
+        <p14:creationId xmlns:p14="http://schemas.microsoft.com/office/powerpoint/2010/main" val="3772150566"/>
+      </p:ext>
+    </p:extLst>
   </p:cSld>
   <p:clrMapOvr>
     <a:masterClrMapping/>
@@ -7535,8 +7596,8 @@
           <a:lstStyle/>
           <a:p>
             <a:fld id="{48A87A34-81AB-432B-8DAE-1953F412C126}" type="datetimeFigureOut">
-              <a:rPr lang="en-US" dirty="0"/>
-              <a:t>2/18/20</a:t>
+              <a:rPr lang="en-US" smtClean="0"/>
+              <a:t>2/19/20</a:t>
             </a:fld>
             <a:endParaRPr lang="en-US" dirty="0"/>
           </a:p>
@@ -7577,7 +7638,7 @@
           <a:lstStyle/>
           <a:p>
             <a:fld id="{6D22F896-40B5-4ADD-8801-0D06FADFA095}" type="slidenum">
-              <a:rPr lang="en-US" dirty="0"/>
+              <a:rPr lang="en-US" smtClean="0"/>
               <a:t>‹#›</a:t>
             </a:fld>
             <a:endParaRPr lang="en-US" dirty="0"/>
@@ -7585,6 +7646,11 @@
         </p:txBody>
       </p:sp>
     </p:spTree>
+    <p:extLst>
+      <p:ext uri="{BB962C8B-B14F-4D97-AF65-F5344CB8AC3E}">
+        <p14:creationId xmlns:p14="http://schemas.microsoft.com/office/powerpoint/2010/main" val="1651059950"/>
+      </p:ext>
+    </p:extLst>
   </p:cSld>
   <p:clrMapOvr>
     <a:masterClrMapping/>
@@ -7762,8 +7828,8 @@
           <a:lstStyle/>
           <a:p>
             <a:fld id="{48A87A34-81AB-432B-8DAE-1953F412C126}" type="datetimeFigureOut">
-              <a:rPr lang="en-US" dirty="0"/>
-              <a:t>2/18/20</a:t>
+              <a:rPr lang="en-US" smtClean="0"/>
+              <a:t>2/19/20</a:t>
             </a:fld>
             <a:endParaRPr lang="en-US" dirty="0"/>
           </a:p>
@@ -7804,7 +7870,7 @@
           <a:lstStyle/>
           <a:p>
             <a:fld id="{6D22F896-40B5-4ADD-8801-0D06FADFA095}" type="slidenum">
-              <a:rPr lang="en-US" dirty="0"/>
+              <a:rPr lang="en-US" smtClean="0"/>
               <a:t>‹#›</a:t>
             </a:fld>
             <a:endParaRPr lang="en-US" dirty="0"/>
@@ -7812,6 +7878,11 @@
         </p:txBody>
       </p:sp>
     </p:spTree>
+    <p:extLst>
+      <p:ext uri="{BB962C8B-B14F-4D97-AF65-F5344CB8AC3E}">
+        <p14:creationId xmlns:p14="http://schemas.microsoft.com/office/powerpoint/2010/main" val="351298796"/>
+      </p:ext>
+    </p:extLst>
   </p:cSld>
   <p:clrMapOvr>
     <a:masterClrMapping/>
@@ -8138,8 +8209,8 @@
           <a:lstStyle/>
           <a:p>
             <a:fld id="{48A87A34-81AB-432B-8DAE-1953F412C126}" type="datetimeFigureOut">
-              <a:rPr lang="en-US" dirty="0"/>
-              <a:t>2/18/20</a:t>
+              <a:rPr lang="en-US" smtClean="0"/>
+              <a:t>2/19/20</a:t>
             </a:fld>
             <a:endParaRPr lang="en-US" dirty="0"/>
           </a:p>
@@ -8180,7 +8251,7 @@
           <a:lstStyle/>
           <a:p>
             <a:fld id="{6D22F896-40B5-4ADD-8801-0D06FADFA095}" type="slidenum">
-              <a:rPr lang="en-US" dirty="0"/>
+              <a:rPr lang="en-US" smtClean="0"/>
               <a:t>‹#›</a:t>
             </a:fld>
             <a:endParaRPr lang="en-US" dirty="0"/>
@@ -8188,6 +8259,11 @@
         </p:txBody>
       </p:sp>
     </p:spTree>
+    <p:extLst>
+      <p:ext uri="{BB962C8B-B14F-4D97-AF65-F5344CB8AC3E}">
+        <p14:creationId xmlns:p14="http://schemas.microsoft.com/office/powerpoint/2010/main" val="1232447838"/>
+      </p:ext>
+    </p:extLst>
   </p:cSld>
   <p:clrMapOvr>
     <a:masterClrMapping/>
@@ -8251,8 +8327,8 @@
           <a:lstStyle/>
           <a:p>
             <a:fld id="{48A87A34-81AB-432B-8DAE-1953F412C126}" type="datetimeFigureOut">
-              <a:rPr lang="en-US" dirty="0"/>
-              <a:t>2/18/20</a:t>
+              <a:rPr lang="en-US" smtClean="0"/>
+              <a:t>2/19/20</a:t>
             </a:fld>
             <a:endParaRPr lang="en-US" dirty="0"/>
           </a:p>
@@ -8293,7 +8369,7 @@
           <a:lstStyle/>
           <a:p>
             <a:fld id="{6D22F896-40B5-4ADD-8801-0D06FADFA095}" type="slidenum">
-              <a:rPr lang="en-US" dirty="0"/>
+              <a:rPr lang="en-US" smtClean="0"/>
               <a:t>‹#›</a:t>
             </a:fld>
             <a:endParaRPr lang="en-US" dirty="0"/>
@@ -8301,6 +8377,11 @@
         </p:txBody>
       </p:sp>
     </p:spTree>
+    <p:extLst>
+      <p:ext uri="{BB962C8B-B14F-4D97-AF65-F5344CB8AC3E}">
+        <p14:creationId xmlns:p14="http://schemas.microsoft.com/office/powerpoint/2010/main" val="2447989448"/>
+      </p:ext>
+    </p:extLst>
   </p:cSld>
   <p:clrMapOvr>
     <a:masterClrMapping/>
@@ -8341,8 +8422,8 @@
           <a:lstStyle/>
           <a:p>
             <a:fld id="{48A87A34-81AB-432B-8DAE-1953F412C126}" type="datetimeFigureOut">
-              <a:rPr lang="en-US" dirty="0"/>
-              <a:t>2/18/20</a:t>
+              <a:rPr lang="en-US" smtClean="0"/>
+              <a:t>2/19/20</a:t>
             </a:fld>
             <a:endParaRPr lang="en-US" dirty="0"/>
           </a:p>
@@ -8383,7 +8464,7 @@
           <a:lstStyle/>
           <a:p>
             <a:fld id="{6D22F896-40B5-4ADD-8801-0D06FADFA095}" type="slidenum">
-              <a:rPr lang="en-US" dirty="0"/>
+              <a:rPr lang="en-US" smtClean="0"/>
               <a:t>‹#›</a:t>
             </a:fld>
             <a:endParaRPr lang="en-US" dirty="0"/>
@@ -8391,6 +8472,11 @@
         </p:txBody>
       </p:sp>
     </p:spTree>
+    <p:extLst>
+      <p:ext uri="{BB962C8B-B14F-4D97-AF65-F5344CB8AC3E}">
+        <p14:creationId xmlns:p14="http://schemas.microsoft.com/office/powerpoint/2010/main" val="1211444818"/>
+      </p:ext>
+    </p:extLst>
   </p:cSld>
   <p:clrMapOvr>
     <a:masterClrMapping/>
@@ -8585,8 +8671,8 @@
           <a:lstStyle/>
           <a:p>
             <a:fld id="{48A87A34-81AB-432B-8DAE-1953F412C126}" type="datetimeFigureOut">
-              <a:rPr lang="en-US" dirty="0"/>
-              <a:t>2/18/20</a:t>
+              <a:rPr lang="en-US" smtClean="0"/>
+              <a:t>2/19/20</a:t>
             </a:fld>
             <a:endParaRPr lang="en-US" dirty="0"/>
           </a:p>
@@ -8627,7 +8713,7 @@
           <a:lstStyle/>
           <a:p>
             <a:fld id="{6D22F896-40B5-4ADD-8801-0D06FADFA095}" type="slidenum">
-              <a:rPr lang="en-US" dirty="0"/>
+              <a:rPr lang="en-US" smtClean="0"/>
               <a:t>‹#›</a:t>
             </a:fld>
             <a:endParaRPr lang="en-US" dirty="0"/>
@@ -8635,6 +8721,11 @@
         </p:txBody>
       </p:sp>
     </p:spTree>
+    <p:extLst>
+      <p:ext uri="{BB962C8B-B14F-4D97-AF65-F5344CB8AC3E}">
+        <p14:creationId xmlns:p14="http://schemas.microsoft.com/office/powerpoint/2010/main" val="3816379327"/>
+      </p:ext>
+    </p:extLst>
   </p:cSld>
   <p:clrMapOvr>
     <a:masterClrMapping/>
@@ -8860,8 +8951,8 @@
           <a:lstStyle/>
           <a:p>
             <a:fld id="{48A87A34-81AB-432B-8DAE-1953F412C126}" type="datetimeFigureOut">
-              <a:rPr lang="en-US" dirty="0"/>
-              <a:t>2/18/20</a:t>
+              <a:rPr lang="en-US" smtClean="0"/>
+              <a:t>2/19/20</a:t>
             </a:fld>
             <a:endParaRPr lang="en-US" dirty="0"/>
           </a:p>
@@ -8902,7 +8993,7 @@
           <a:lstStyle/>
           <a:p>
             <a:fld id="{6D22F896-40B5-4ADD-8801-0D06FADFA095}" type="slidenum">
-              <a:rPr lang="en-US" dirty="0"/>
+              <a:rPr lang="en-US" smtClean="0"/>
               <a:t>‹#›</a:t>
             </a:fld>
             <a:endParaRPr lang="en-US" dirty="0"/>
@@ -8910,6 +9001,11 @@
         </p:txBody>
       </p:sp>
     </p:spTree>
+    <p:extLst>
+      <p:ext uri="{BB962C8B-B14F-4D97-AF65-F5344CB8AC3E}">
+        <p14:creationId xmlns:p14="http://schemas.microsoft.com/office/powerpoint/2010/main" val="3595343770"/>
+      </p:ext>
+    </p:extLst>
   </p:cSld>
   <p:clrMapOvr>
     <a:masterClrMapping/>
@@ -8950,6 +9046,13 @@
         <p:blipFill>
           <a:blip r:embed="rId19">
             <a:alphaModFix amt="30000"/>
+            <a:duotone>
+              <a:prstClr val="black"/>
+              <a:schemeClr val="tx2">
+                <a:tint val="45000"/>
+                <a:satMod val="400000"/>
+              </a:schemeClr>
+            </a:duotone>
             <a:extLst>
               <a:ext uri="{28A0092B-C50C-407E-A947-70E740481C1C}">
                 <a14:useLocalDpi xmlns:a14="http://schemas.microsoft.com/office/drawing/2010/main" val="0"/>
@@ -8994,6 +9097,20 @@
             <a:chOff x="-14288" y="0"/>
             <a:chExt cx="12053888" cy="6858001"/>
           </a:xfrm>
+          <a:gradFill flip="none" rotWithShape="1">
+            <a:gsLst>
+              <a:gs pos="0">
+                <a:schemeClr val="tx2"/>
+              </a:gs>
+              <a:gs pos="100000">
+                <a:schemeClr val="tx2">
+                  <a:lumMod val="50000"/>
+                </a:schemeClr>
+              </a:gs>
+            </a:gsLst>
+            <a:lin ang="5400000" scaled="0"/>
+            <a:tileRect/>
+          </a:gradFill>
         </p:grpSpPr>
         <p:grpSp>
           <p:nvGrpSpPr>
@@ -9008,21 +9125,7 @@
               <a:chOff x="-14288" y="0"/>
               <a:chExt cx="1220788" cy="6858001"/>
             </a:xfrm>
-            <a:gradFill flip="none" rotWithShape="1">
-              <a:gsLst>
-                <a:gs pos="0">
-                  <a:schemeClr val="tx2"/>
-                </a:gs>
-                <a:gs pos="100000">
-                  <a:schemeClr val="bg2">
-                    <a:lumMod val="60000"/>
-                    <a:lumOff val="40000"/>
-                  </a:schemeClr>
-                </a:gs>
-              </a:gsLst>
-              <a:lin ang="5400000" scaled="0"/>
-              <a:tileRect/>
-            </a:gradFill>
+            <a:grpFill/>
           </p:grpSpPr>
           <p:sp>
             <p:nvSpPr>
@@ -11011,24 +11114,7 @@
               <a:chOff x="11364912" y="0"/>
               <a:chExt cx="674688" cy="6848476"/>
             </a:xfrm>
-            <a:gradFill flip="none" rotWithShape="1">
-              <a:gsLst>
-                <a:gs pos="0">
-                  <a:schemeClr val="tx2">
-                    <a:alpha val="80000"/>
-                  </a:schemeClr>
-                </a:gs>
-                <a:gs pos="100000">
-                  <a:schemeClr val="bg2">
-                    <a:lumMod val="60000"/>
-                    <a:lumOff val="40000"/>
-                    <a:alpha val="60000"/>
-                  </a:schemeClr>
-                </a:gs>
-              </a:gsLst>
-              <a:lin ang="5400000" scaled="0"/>
-              <a:tileRect/>
-            </a:gradFill>
+            <a:grpFill/>
           </p:grpSpPr>
           <p:sp>
             <p:nvSpPr>
@@ -11932,9 +12018,9 @@
           </a:lstStyle>
           <a:p>
             <a:fld id="{48A87A34-81AB-432B-8DAE-1953F412C126}" type="datetimeFigureOut">
-              <a:rPr lang="en-US" dirty="0"/>
+              <a:rPr lang="en-US" smtClean="0"/>
               <a:pPr/>
-              <a:t>2/18/20</a:t>
+              <a:t>2/19/20</a:t>
             </a:fld>
             <a:endParaRPr lang="en-US" dirty="0"/>
           </a:p>
@@ -12011,7 +12097,7 @@
           </a:lstStyle>
           <a:p>
             <a:fld id="{6D22F896-40B5-4ADD-8801-0D06FADFA095}" type="slidenum">
-              <a:rPr lang="en-US" dirty="0"/>
+              <a:rPr lang="en-US" smtClean="0"/>
               <a:pPr/>
               <a:t>‹#›</a:t>
             </a:fld>
@@ -12020,26 +12106,31 @@
         </p:txBody>
       </p:sp>
     </p:spTree>
+    <p:extLst>
+      <p:ext uri="{BB962C8B-B14F-4D97-AF65-F5344CB8AC3E}">
+        <p14:creationId xmlns:p14="http://schemas.microsoft.com/office/powerpoint/2010/main" val="2687380146"/>
+      </p:ext>
+    </p:extLst>
   </p:cSld>
   <p:clrMap bg1="dk1" tx1="lt1" bg2="dk2" tx2="lt2" accent1="accent1" accent2="accent2" accent3="accent3" accent4="accent4" accent5="accent5" accent6="accent6" hlink="hlink" folHlink="folHlink"/>
   <p:sldLayoutIdLst>
-    <p:sldLayoutId id="2147483649" r:id="rId1"/>
-    <p:sldLayoutId id="2147483650" r:id="rId2"/>
-    <p:sldLayoutId id="2147483651" r:id="rId3"/>
-    <p:sldLayoutId id="2147483652" r:id="rId4"/>
-    <p:sldLayoutId id="2147483653" r:id="rId5"/>
-    <p:sldLayoutId id="2147483654" r:id="rId6"/>
-    <p:sldLayoutId id="2147483655" r:id="rId7"/>
-    <p:sldLayoutId id="2147483656" r:id="rId8"/>
-    <p:sldLayoutId id="2147483657" r:id="rId9"/>
-    <p:sldLayoutId id="2147483660" r:id="rId10"/>
-    <p:sldLayoutId id="2147483661" r:id="rId11"/>
-    <p:sldLayoutId id="2147483666" r:id="rId12"/>
-    <p:sldLayoutId id="2147483663" r:id="rId13"/>
-    <p:sldLayoutId id="2147483667" r:id="rId14"/>
-    <p:sldLayoutId id="2147483668" r:id="rId15"/>
-    <p:sldLayoutId id="2147483658" r:id="rId16"/>
-    <p:sldLayoutId id="2147483659" r:id="rId17"/>
+    <p:sldLayoutId id="2147483670" r:id="rId1"/>
+    <p:sldLayoutId id="2147483671" r:id="rId2"/>
+    <p:sldLayoutId id="2147483672" r:id="rId3"/>
+    <p:sldLayoutId id="2147483673" r:id="rId4"/>
+    <p:sldLayoutId id="2147483674" r:id="rId5"/>
+    <p:sldLayoutId id="2147483675" r:id="rId6"/>
+    <p:sldLayoutId id="2147483676" r:id="rId7"/>
+    <p:sldLayoutId id="2147483677" r:id="rId8"/>
+    <p:sldLayoutId id="2147483678" r:id="rId9"/>
+    <p:sldLayoutId id="2147483679" r:id="rId10"/>
+    <p:sldLayoutId id="2147483680" r:id="rId11"/>
+    <p:sldLayoutId id="2147483681" r:id="rId12"/>
+    <p:sldLayoutId id="2147483682" r:id="rId13"/>
+    <p:sldLayoutId id="2147483683" r:id="rId14"/>
+    <p:sldLayoutId id="2147483684" r:id="rId15"/>
+    <p:sldLayoutId id="2147483685" r:id="rId16"/>
+    <p:sldLayoutId id="2147483686" r:id="rId17"/>
   </p:sldLayoutIdLst>
   <p:txStyles>
     <p:titleStyle>
@@ -13104,34 +13195,34 @@
         <a:sysClr val="window" lastClr="FFFFFF"/>
       </a:lt1>
       <a:dk2>
-        <a:srgbClr val="134770"/>
+        <a:srgbClr val="252C36"/>
       </a:dk2>
       <a:lt2>
-        <a:srgbClr val="82FFFF"/>
+        <a:srgbClr val="7C96A3"/>
       </a:lt2>
       <a:accent1>
-        <a:srgbClr val="9ACD4C"/>
+        <a:srgbClr val="4FD093"/>
       </a:accent1>
       <a:accent2>
-        <a:srgbClr val="FAA93A"/>
+        <a:srgbClr val="54BCDF"/>
       </a:accent2>
       <a:accent3>
-        <a:srgbClr val="D35940"/>
+        <a:srgbClr val="A262D0"/>
       </a:accent3>
       <a:accent4>
-        <a:srgbClr val="B258D3"/>
+        <a:srgbClr val="D7537B"/>
       </a:accent4>
       <a:accent5>
-        <a:srgbClr val="63A0CC"/>
+        <a:srgbClr val="E78045"/>
       </a:accent5>
       <a:accent6>
-        <a:srgbClr val="8AC4A7"/>
+        <a:srgbClr val="84C350"/>
       </a:accent6>
       <a:hlink>
-        <a:srgbClr val="B8FA56"/>
+        <a:srgbClr val="22FFFF"/>
       </a:hlink>
       <a:folHlink>
-        <a:srgbClr val="7AF8CC"/>
+        <a:srgbClr val="9BF3FD"/>
       </a:folHlink>
     </a:clrScheme>
     <a:fontScheme name="Circuit">
@@ -13298,7 +13389,7 @@
                 <a:tint val="98000"/>
                 <a:hueMod val="94000"/>
                 <a:satMod val="148000"/>
-                <a:lumMod val="150000"/>
+                <a:lumMod val="140000"/>
               </a:schemeClr>
             </a:gs>
             <a:gs pos="100000">
@@ -13306,7 +13397,7 @@
                 <a:shade val="92000"/>
                 <a:hueMod val="104000"/>
                 <a:satMod val="140000"/>
-                <a:lumMod val="68000"/>
+                <a:lumMod val="48000"/>
               </a:schemeClr>
             </a:gs>
           </a:gsLst>
@@ -13316,16 +13407,16 @@
           <a:blip xmlns:r="http://schemas.openxmlformats.org/officeDocument/2006/relationships" r:embed="rId1">
             <a:duotone>
               <a:schemeClr val="phClr">
-                <a:shade val="88000"/>
+                <a:shade val="48000"/>
                 <a:hueMod val="106000"/>
                 <a:satMod val="140000"/>
-                <a:lumMod val="54000"/>
+                <a:lumMod val="42000"/>
               </a:schemeClr>
               <a:schemeClr val="phClr">
                 <a:tint val="98000"/>
-                <a:hueMod val="90000"/>
-                <a:satMod val="150000"/>
-                <a:lumMod val="160000"/>
+                <a:hueMod val="92000"/>
+                <a:satMod val="220000"/>
+                <a:lumMod val="90000"/>
               </a:schemeClr>
             </a:duotone>
           </a:blip>
@@ -13338,7 +13429,7 @@
   <a:extraClrSchemeLst/>
   <a:extLst>
     <a:ext uri="{05A4C25C-085E-4340-85A3-A5531E510DB2}">
-      <thm15:themeFamily xmlns:thm15="http://schemas.microsoft.com/office/thememl/2012/main" name="Circuit" id="{0AC2F7E7-15F5-431C-B2A2-456FE929F56C}" vid="{0911B802-464C-4241-8DD9-B60FF88E379F}"/>
+      <thm15:themeFamily xmlns:thm15="http://schemas.microsoft.com/office/thememl/2012/main" name="Circuit" id="{0AC2F7E7-15F5-431C-B2A2-456FE929F56C}" vid="{142578CA-DEC9-49C3-80AF-C113973CC9A9}"/>
     </a:ext>
   </a:extLst>
 </a:theme>
